--- a/figures/figures-self-drawn.pptx
+++ b/figures/figures-self-drawn.pptx
@@ -5,7 +5,8 @@
     <p:sldMasterId id="2147483648" r:id="rId1"/>
   </p:sldMasterIdLst>
   <p:sldIdLst>
-    <p:sldId id="256" r:id="rId2"/>
+    <p:sldId id="257" r:id="rId2"/>
+    <p:sldId id="256" r:id="rId3"/>
   </p:sldIdLst>
   <p:sldSz cx="12192000" cy="6858000"/>
   <p:notesSz cx="6858000" cy="9144000"/>
@@ -104,6 +105,11 @@
       </a:defRPr>
     </a:lvl9pPr>
   </p:defaultTextStyle>
+  <p:extLst>
+    <p:ext uri="{EFAFB233-063F-42B5-8137-9DF3F51BA10A}">
+      <p15:sldGuideLst xmlns:p15="http://schemas.microsoft.com/office/powerpoint/2012/main"/>
+    </p:ext>
+  </p:extLst>
 </p:presentation>
 </file>
 
@@ -238,7 +244,7 @@
           <a:p>
             <a:fld id="{3C2CF9B3-DF89-4EB8-83B1-CA721AF4682E}" type="datetimeFigureOut">
               <a:rPr lang="en-GB" smtClean="0"/>
-              <a:t>27-06-2021</a:t>
+              <a:t>12-07-2021</a:t>
             </a:fld>
             <a:endParaRPr lang="en-GB"/>
           </a:p>
@@ -408,7 +414,7 @@
           <a:p>
             <a:fld id="{3C2CF9B3-DF89-4EB8-83B1-CA721AF4682E}" type="datetimeFigureOut">
               <a:rPr lang="en-GB" smtClean="0"/>
-              <a:t>27-06-2021</a:t>
+              <a:t>12-07-2021</a:t>
             </a:fld>
             <a:endParaRPr lang="en-GB"/>
           </a:p>
@@ -588,7 +594,7 @@
           <a:p>
             <a:fld id="{3C2CF9B3-DF89-4EB8-83B1-CA721AF4682E}" type="datetimeFigureOut">
               <a:rPr lang="en-GB" smtClean="0"/>
-              <a:t>27-06-2021</a:t>
+              <a:t>12-07-2021</a:t>
             </a:fld>
             <a:endParaRPr lang="en-GB"/>
           </a:p>
@@ -758,7 +764,7 @@
           <a:p>
             <a:fld id="{3C2CF9B3-DF89-4EB8-83B1-CA721AF4682E}" type="datetimeFigureOut">
               <a:rPr lang="en-GB" smtClean="0"/>
-              <a:t>27-06-2021</a:t>
+              <a:t>12-07-2021</a:t>
             </a:fld>
             <a:endParaRPr lang="en-GB"/>
           </a:p>
@@ -1004,7 +1010,7 @@
           <a:p>
             <a:fld id="{3C2CF9B3-DF89-4EB8-83B1-CA721AF4682E}" type="datetimeFigureOut">
               <a:rPr lang="en-GB" smtClean="0"/>
-              <a:t>27-06-2021</a:t>
+              <a:t>12-07-2021</a:t>
             </a:fld>
             <a:endParaRPr lang="en-GB"/>
           </a:p>
@@ -1236,7 +1242,7 @@
           <a:p>
             <a:fld id="{3C2CF9B3-DF89-4EB8-83B1-CA721AF4682E}" type="datetimeFigureOut">
               <a:rPr lang="en-GB" smtClean="0"/>
-              <a:t>27-06-2021</a:t>
+              <a:t>12-07-2021</a:t>
             </a:fld>
             <a:endParaRPr lang="en-GB"/>
           </a:p>
@@ -1603,7 +1609,7 @@
           <a:p>
             <a:fld id="{3C2CF9B3-DF89-4EB8-83B1-CA721AF4682E}" type="datetimeFigureOut">
               <a:rPr lang="en-GB" smtClean="0"/>
-              <a:t>27-06-2021</a:t>
+              <a:t>12-07-2021</a:t>
             </a:fld>
             <a:endParaRPr lang="en-GB"/>
           </a:p>
@@ -1721,7 +1727,7 @@
           <a:p>
             <a:fld id="{3C2CF9B3-DF89-4EB8-83B1-CA721AF4682E}" type="datetimeFigureOut">
               <a:rPr lang="en-GB" smtClean="0"/>
-              <a:t>27-06-2021</a:t>
+              <a:t>12-07-2021</a:t>
             </a:fld>
             <a:endParaRPr lang="en-GB"/>
           </a:p>
@@ -1816,7 +1822,7 @@
           <a:p>
             <a:fld id="{3C2CF9B3-DF89-4EB8-83B1-CA721AF4682E}" type="datetimeFigureOut">
               <a:rPr lang="en-GB" smtClean="0"/>
-              <a:t>27-06-2021</a:t>
+              <a:t>12-07-2021</a:t>
             </a:fld>
             <a:endParaRPr lang="en-GB"/>
           </a:p>
@@ -2093,7 +2099,7 @@
           <a:p>
             <a:fld id="{3C2CF9B3-DF89-4EB8-83B1-CA721AF4682E}" type="datetimeFigureOut">
               <a:rPr lang="en-GB" smtClean="0"/>
-              <a:t>27-06-2021</a:t>
+              <a:t>12-07-2021</a:t>
             </a:fld>
             <a:endParaRPr lang="en-GB"/>
           </a:p>
@@ -2346,7 +2352,7 @@
           <a:p>
             <a:fld id="{3C2CF9B3-DF89-4EB8-83B1-CA721AF4682E}" type="datetimeFigureOut">
               <a:rPr lang="en-GB" smtClean="0"/>
-              <a:t>27-06-2021</a:t>
+              <a:t>12-07-2021</a:t>
             </a:fld>
             <a:endParaRPr lang="en-GB"/>
           </a:p>
@@ -2559,7 +2565,7 @@
           <a:p>
             <a:fld id="{3C2CF9B3-DF89-4EB8-83B1-CA721AF4682E}" type="datetimeFigureOut">
               <a:rPr lang="en-GB" smtClean="0"/>
-              <a:t>27-06-2021</a:t>
+              <a:t>12-07-2021</a:t>
             </a:fld>
             <a:endParaRPr lang="en-GB"/>
           </a:p>
@@ -2948,6 +2954,1076 @@
 </file>
 
 <file path=ppt/slides/slide1.xml><?xml version="1.0" encoding="utf-8"?>
+<p:sld xmlns:a="http://schemas.openxmlformats.org/drawingml/2006/main" xmlns:r="http://schemas.openxmlformats.org/officeDocument/2006/relationships" xmlns:p="http://schemas.openxmlformats.org/presentationml/2006/main">
+  <p:cSld>
+    <p:spTree>
+      <p:nvGrpSpPr>
+        <p:cNvPr id="1" name=""/>
+        <p:cNvGrpSpPr/>
+        <p:nvPr/>
+      </p:nvGrpSpPr>
+      <p:grpSpPr>
+        <a:xfrm>
+          <a:off x="0" y="0"/>
+          <a:ext cx="0" cy="0"/>
+          <a:chOff x="0" y="0"/>
+          <a:chExt cx="0" cy="0"/>
+        </a:xfrm>
+      </p:grpSpPr>
+      <p:sp>
+        <p:nvSpPr>
+          <p:cNvPr id="22" name="Rectangle 21"/>
+          <p:cNvSpPr/>
+          <p:nvPr/>
+        </p:nvSpPr>
+        <p:spPr>
+          <a:xfrm>
+            <a:off x="2019300" y="781645"/>
+            <a:ext cx="3209925" cy="5104805"/>
+          </a:xfrm>
+          <a:prstGeom prst="rect">
+            <a:avLst/>
+          </a:prstGeom>
+          <a:noFill/>
+          <a:ln>
+            <a:solidFill>
+              <a:schemeClr val="accent5"/>
+            </a:solidFill>
+            <a:prstDash val="lgDash"/>
+          </a:ln>
+        </p:spPr>
+        <p:style>
+          <a:lnRef idx="2">
+            <a:schemeClr val="accent1">
+              <a:shade val="50000"/>
+            </a:schemeClr>
+          </a:lnRef>
+          <a:fillRef idx="1">
+            <a:schemeClr val="accent1"/>
+          </a:fillRef>
+          <a:effectRef idx="0">
+            <a:schemeClr val="accent1"/>
+          </a:effectRef>
+          <a:fontRef idx="minor">
+            <a:schemeClr val="lt1"/>
+          </a:fontRef>
+        </p:style>
+        <p:txBody>
+          <a:bodyPr rtlCol="0" anchor="ctr"/>
+          <a:lstStyle/>
+          <a:p>
+            <a:pPr algn="ctr"/>
+            <a:endParaRPr lang="en-GB"/>
+          </a:p>
+        </p:txBody>
+      </p:sp>
+      <p:sp>
+        <p:nvSpPr>
+          <p:cNvPr id="2" name="Cloud 1"/>
+          <p:cNvSpPr/>
+          <p:nvPr/>
+        </p:nvSpPr>
+        <p:spPr>
+          <a:xfrm>
+            <a:off x="302812" y="1058645"/>
+            <a:ext cx="2377440" cy="1602144"/>
+          </a:xfrm>
+          <a:prstGeom prst="cloud">
+            <a:avLst/>
+          </a:prstGeom>
+        </p:spPr>
+        <p:style>
+          <a:lnRef idx="1">
+            <a:schemeClr val="accent1"/>
+          </a:lnRef>
+          <a:fillRef idx="2">
+            <a:schemeClr val="accent1"/>
+          </a:fillRef>
+          <a:effectRef idx="1">
+            <a:schemeClr val="accent1"/>
+          </a:effectRef>
+          <a:fontRef idx="minor">
+            <a:schemeClr val="dk1"/>
+          </a:fontRef>
+        </p:style>
+        <p:txBody>
+          <a:bodyPr rtlCol="0" anchor="ctr"/>
+          <a:lstStyle/>
+          <a:p>
+            <a:pPr algn="ctr"/>
+            <a:r>
+              <a:rPr lang="en-GB" dirty="0" smtClean="0"/>
+              <a:t>community-collected surveillance data</a:t>
+            </a:r>
+            <a:endParaRPr lang="en-GB" dirty="0"/>
+          </a:p>
+        </p:txBody>
+      </p:sp>
+      <p:sp>
+        <p:nvSpPr>
+          <p:cNvPr id="3" name="Can 2"/>
+          <p:cNvSpPr/>
+          <p:nvPr/>
+        </p:nvSpPr>
+        <p:spPr>
+          <a:xfrm>
+            <a:off x="3248025" y="1704975"/>
+            <a:ext cx="1047750" cy="1247775"/>
+          </a:xfrm>
+          <a:prstGeom prst="can">
+            <a:avLst/>
+          </a:prstGeom>
+        </p:spPr>
+        <p:style>
+          <a:lnRef idx="2">
+            <a:schemeClr val="accent1">
+              <a:shade val="50000"/>
+            </a:schemeClr>
+          </a:lnRef>
+          <a:fillRef idx="1">
+            <a:schemeClr val="accent1"/>
+          </a:fillRef>
+          <a:effectRef idx="0">
+            <a:schemeClr val="accent1"/>
+          </a:effectRef>
+          <a:fontRef idx="minor">
+            <a:schemeClr val="lt1"/>
+          </a:fontRef>
+        </p:style>
+        <p:txBody>
+          <a:bodyPr rtlCol="0" anchor="ctr"/>
+          <a:lstStyle/>
+          <a:p>
+            <a:pPr algn="ctr"/>
+            <a:endParaRPr lang="en-GB"/>
+          </a:p>
+        </p:txBody>
+      </p:sp>
+      <p:sp>
+        <p:nvSpPr>
+          <p:cNvPr id="4" name="Can 3"/>
+          <p:cNvSpPr/>
+          <p:nvPr/>
+        </p:nvSpPr>
+        <p:spPr>
+          <a:xfrm>
+            <a:off x="3657600" y="2036900"/>
+            <a:ext cx="1047750" cy="1247775"/>
+          </a:xfrm>
+          <a:prstGeom prst="can">
+            <a:avLst/>
+          </a:prstGeom>
+        </p:spPr>
+        <p:style>
+          <a:lnRef idx="2">
+            <a:schemeClr val="accent1">
+              <a:shade val="50000"/>
+            </a:schemeClr>
+          </a:lnRef>
+          <a:fillRef idx="1">
+            <a:schemeClr val="accent1"/>
+          </a:fillRef>
+          <a:effectRef idx="0">
+            <a:schemeClr val="accent1"/>
+          </a:effectRef>
+          <a:fontRef idx="minor">
+            <a:schemeClr val="lt1"/>
+          </a:fontRef>
+        </p:style>
+        <p:txBody>
+          <a:bodyPr rtlCol="0" anchor="ctr"/>
+          <a:lstStyle/>
+          <a:p>
+            <a:pPr algn="ctr"/>
+            <a:endParaRPr lang="en-GB"/>
+          </a:p>
+        </p:txBody>
+      </p:sp>
+      <p:sp>
+        <p:nvSpPr>
+          <p:cNvPr id="5" name="TextBox 4"/>
+          <p:cNvSpPr txBox="1"/>
+          <p:nvPr/>
+        </p:nvSpPr>
+        <p:spPr>
+          <a:xfrm>
+            <a:off x="3248025" y="1058644"/>
+            <a:ext cx="1704975" cy="646331"/>
+          </a:xfrm>
+          <a:prstGeom prst="rect">
+            <a:avLst/>
+          </a:prstGeom>
+          <a:noFill/>
+        </p:spPr>
+        <p:txBody>
+          <a:bodyPr wrap="square" rtlCol="0">
+            <a:spAutoFit/>
+          </a:bodyPr>
+          <a:lstStyle/>
+          <a:p>
+            <a:r>
+              <a:rPr lang="en-GB" dirty="0" err="1" smtClean="0"/>
+              <a:t>Opensky</a:t>
+            </a:r>
+            <a:r>
+              <a:rPr lang="en-GB" dirty="0" smtClean="0"/>
+              <a:t> Network</a:t>
+            </a:r>
+            <a:endParaRPr lang="en-GB" dirty="0"/>
+          </a:p>
+        </p:txBody>
+      </p:sp>
+      <p:sp>
+        <p:nvSpPr>
+          <p:cNvPr id="6" name="Can 5"/>
+          <p:cNvSpPr/>
+          <p:nvPr/>
+        </p:nvSpPr>
+        <p:spPr>
+          <a:xfrm>
+            <a:off x="3248025" y="3684725"/>
+            <a:ext cx="1047750" cy="1247775"/>
+          </a:xfrm>
+          <a:prstGeom prst="can">
+            <a:avLst/>
+          </a:prstGeom>
+        </p:spPr>
+        <p:style>
+          <a:lnRef idx="2">
+            <a:schemeClr val="accent1">
+              <a:shade val="50000"/>
+            </a:schemeClr>
+          </a:lnRef>
+          <a:fillRef idx="1">
+            <a:schemeClr val="accent1"/>
+          </a:fillRef>
+          <a:effectRef idx="0">
+            <a:schemeClr val="accent1"/>
+          </a:effectRef>
+          <a:fontRef idx="minor">
+            <a:schemeClr val="lt1"/>
+          </a:fontRef>
+        </p:style>
+        <p:txBody>
+          <a:bodyPr rtlCol="0" anchor="ctr"/>
+          <a:lstStyle/>
+          <a:p>
+            <a:pPr algn="ctr"/>
+            <a:endParaRPr lang="en-GB"/>
+          </a:p>
+        </p:txBody>
+      </p:sp>
+      <p:sp>
+        <p:nvSpPr>
+          <p:cNvPr id="7" name="TextBox 6"/>
+          <p:cNvSpPr txBox="1"/>
+          <p:nvPr/>
+        </p:nvSpPr>
+        <p:spPr>
+          <a:xfrm>
+            <a:off x="3133725" y="3324910"/>
+            <a:ext cx="1704975" cy="369332"/>
+          </a:xfrm>
+          <a:prstGeom prst="rect">
+            <a:avLst/>
+          </a:prstGeom>
+          <a:noFill/>
+        </p:spPr>
+        <p:txBody>
+          <a:bodyPr wrap="square" rtlCol="0">
+            <a:spAutoFit/>
+          </a:bodyPr>
+          <a:lstStyle/>
+          <a:p>
+            <a:r>
+              <a:rPr lang="en-GB" dirty="0" smtClean="0"/>
+              <a:t>John Hopkins</a:t>
+            </a:r>
+            <a:endParaRPr lang="en-GB" dirty="0"/>
+          </a:p>
+        </p:txBody>
+      </p:sp>
+      <p:sp>
+        <p:nvSpPr>
+          <p:cNvPr id="8" name="TextBox 7"/>
+          <p:cNvSpPr txBox="1"/>
+          <p:nvPr/>
+        </p:nvSpPr>
+        <p:spPr>
+          <a:xfrm>
+            <a:off x="2590800" y="412313"/>
+            <a:ext cx="1704975" cy="369332"/>
+          </a:xfrm>
+          <a:prstGeom prst="rect">
+            <a:avLst/>
+          </a:prstGeom>
+          <a:noFill/>
+        </p:spPr>
+        <p:txBody>
+          <a:bodyPr wrap="square" rtlCol="0">
+            <a:spAutoFit/>
+          </a:bodyPr>
+          <a:lstStyle/>
+          <a:p>
+            <a:r>
+              <a:rPr lang="en-GB" dirty="0"/>
+              <a:t>s</a:t>
+            </a:r>
+            <a:r>
+              <a:rPr lang="en-GB" dirty="0" smtClean="0"/>
+              <a:t>ource data</a:t>
+            </a:r>
+            <a:endParaRPr lang="en-GB" dirty="0"/>
+          </a:p>
+        </p:txBody>
+      </p:sp>
+      <p:sp>
+        <p:nvSpPr>
+          <p:cNvPr id="9" name="TextBox 8"/>
+          <p:cNvSpPr txBox="1"/>
+          <p:nvPr/>
+        </p:nvSpPr>
+        <p:spPr>
+          <a:xfrm>
+            <a:off x="6296025" y="414277"/>
+            <a:ext cx="1704975" cy="369332"/>
+          </a:xfrm>
+          <a:prstGeom prst="rect">
+            <a:avLst/>
+          </a:prstGeom>
+          <a:noFill/>
+        </p:spPr>
+        <p:txBody>
+          <a:bodyPr wrap="square" rtlCol="0">
+            <a:spAutoFit/>
+          </a:bodyPr>
+          <a:lstStyle/>
+          <a:p>
+            <a:r>
+              <a:rPr lang="en-GB" dirty="0" smtClean="0"/>
+              <a:t>analytic data</a:t>
+            </a:r>
+            <a:endParaRPr lang="en-GB" dirty="0"/>
+          </a:p>
+        </p:txBody>
+      </p:sp>
+      <p:sp>
+        <p:nvSpPr>
+          <p:cNvPr id="10" name="TextBox 9"/>
+          <p:cNvSpPr txBox="1"/>
+          <p:nvPr/>
+        </p:nvSpPr>
+        <p:spPr>
+          <a:xfrm>
+            <a:off x="9496425" y="412313"/>
+            <a:ext cx="2200275" cy="369332"/>
+          </a:xfrm>
+          <a:prstGeom prst="rect">
+            <a:avLst/>
+          </a:prstGeom>
+          <a:noFill/>
+        </p:spPr>
+        <p:txBody>
+          <a:bodyPr wrap="square" rtlCol="0">
+            <a:spAutoFit/>
+          </a:bodyPr>
+          <a:lstStyle/>
+          <a:p>
+            <a:r>
+              <a:rPr lang="en-GB" dirty="0"/>
+              <a:t>r</a:t>
+            </a:r>
+            <a:r>
+              <a:rPr lang="en-GB" dirty="0" smtClean="0"/>
+              <a:t>eproducible results</a:t>
+            </a:r>
+            <a:endParaRPr lang="en-GB" dirty="0"/>
+          </a:p>
+        </p:txBody>
+      </p:sp>
+      <p:sp>
+        <p:nvSpPr>
+          <p:cNvPr id="11" name="Flowchart: Document 10"/>
+          <p:cNvSpPr/>
+          <p:nvPr/>
+        </p:nvSpPr>
+        <p:spPr>
+          <a:xfrm>
+            <a:off x="6038850" y="2360750"/>
+            <a:ext cx="1724025" cy="915850"/>
+          </a:xfrm>
+          <a:prstGeom prst="flowChartDocument">
+            <a:avLst/>
+          </a:prstGeom>
+          <a:solidFill>
+            <a:schemeClr val="accent1">
+              <a:lumMod val="20000"/>
+              <a:lumOff val="80000"/>
+            </a:schemeClr>
+          </a:solidFill>
+        </p:spPr>
+        <p:style>
+          <a:lnRef idx="2">
+            <a:schemeClr val="accent1">
+              <a:shade val="50000"/>
+            </a:schemeClr>
+          </a:lnRef>
+          <a:fillRef idx="1">
+            <a:schemeClr val="accent1"/>
+          </a:fillRef>
+          <a:effectRef idx="0">
+            <a:schemeClr val="accent1"/>
+          </a:effectRef>
+          <a:fontRef idx="minor">
+            <a:schemeClr val="lt1"/>
+          </a:fontRef>
+        </p:style>
+        <p:txBody>
+          <a:bodyPr rtlCol="0" anchor="ctr"/>
+          <a:lstStyle/>
+          <a:p>
+            <a:pPr algn="ctr"/>
+            <a:endParaRPr lang="en-GB"/>
+          </a:p>
+        </p:txBody>
+      </p:sp>
+      <p:sp>
+        <p:nvSpPr>
+          <p:cNvPr id="12" name="Flowchart: Document 11"/>
+          <p:cNvSpPr/>
+          <p:nvPr/>
+        </p:nvSpPr>
+        <p:spPr>
+          <a:xfrm>
+            <a:off x="6191250" y="2513150"/>
+            <a:ext cx="1724025" cy="915850"/>
+          </a:xfrm>
+          <a:prstGeom prst="flowChartDocument">
+            <a:avLst/>
+          </a:prstGeom>
+          <a:solidFill>
+            <a:schemeClr val="accent1">
+              <a:lumMod val="20000"/>
+              <a:lumOff val="80000"/>
+            </a:schemeClr>
+          </a:solidFill>
+        </p:spPr>
+        <p:style>
+          <a:lnRef idx="2">
+            <a:schemeClr val="accent1">
+              <a:shade val="50000"/>
+            </a:schemeClr>
+          </a:lnRef>
+          <a:fillRef idx="1">
+            <a:schemeClr val="accent1"/>
+          </a:fillRef>
+          <a:effectRef idx="0">
+            <a:schemeClr val="accent1"/>
+          </a:effectRef>
+          <a:fontRef idx="minor">
+            <a:schemeClr val="lt1"/>
+          </a:fontRef>
+        </p:style>
+        <p:txBody>
+          <a:bodyPr rtlCol="0" anchor="ctr"/>
+          <a:lstStyle/>
+          <a:p>
+            <a:pPr algn="ctr"/>
+            <a:endParaRPr lang="en-GB"/>
+          </a:p>
+        </p:txBody>
+      </p:sp>
+      <p:sp>
+        <p:nvSpPr>
+          <p:cNvPr id="13" name="Flowchart: Document 12"/>
+          <p:cNvSpPr/>
+          <p:nvPr/>
+        </p:nvSpPr>
+        <p:spPr>
+          <a:xfrm>
+            <a:off x="6343650" y="2665550"/>
+            <a:ext cx="1724025" cy="915850"/>
+          </a:xfrm>
+          <a:prstGeom prst="flowChartDocument">
+            <a:avLst/>
+          </a:prstGeom>
+          <a:solidFill>
+            <a:schemeClr val="accent1">
+              <a:lumMod val="20000"/>
+              <a:lumOff val="80000"/>
+            </a:schemeClr>
+          </a:solidFill>
+        </p:spPr>
+        <p:style>
+          <a:lnRef idx="2">
+            <a:schemeClr val="accent1">
+              <a:shade val="50000"/>
+            </a:schemeClr>
+          </a:lnRef>
+          <a:fillRef idx="1">
+            <a:schemeClr val="accent1"/>
+          </a:fillRef>
+          <a:effectRef idx="0">
+            <a:schemeClr val="accent1"/>
+          </a:effectRef>
+          <a:fontRef idx="minor">
+            <a:schemeClr val="lt1"/>
+          </a:fontRef>
+        </p:style>
+        <p:txBody>
+          <a:bodyPr rtlCol="0" anchor="ctr"/>
+          <a:lstStyle/>
+          <a:p>
+            <a:pPr algn="ctr"/>
+            <a:endParaRPr lang="en-GB"/>
+          </a:p>
+        </p:txBody>
+      </p:sp>
+      <p:sp>
+        <p:nvSpPr>
+          <p:cNvPr id="14" name="Flowchart: Document 13"/>
+          <p:cNvSpPr/>
+          <p:nvPr/>
+        </p:nvSpPr>
+        <p:spPr>
+          <a:xfrm>
+            <a:off x="6496050" y="2817950"/>
+            <a:ext cx="1724025" cy="915850"/>
+          </a:xfrm>
+          <a:prstGeom prst="flowChartDocument">
+            <a:avLst/>
+          </a:prstGeom>
+          <a:solidFill>
+            <a:schemeClr val="accent1">
+              <a:lumMod val="20000"/>
+              <a:lumOff val="80000"/>
+            </a:schemeClr>
+          </a:solidFill>
+        </p:spPr>
+        <p:style>
+          <a:lnRef idx="2">
+            <a:schemeClr val="accent1">
+              <a:shade val="50000"/>
+            </a:schemeClr>
+          </a:lnRef>
+          <a:fillRef idx="1">
+            <a:schemeClr val="accent1"/>
+          </a:fillRef>
+          <a:effectRef idx="0">
+            <a:schemeClr val="accent1"/>
+          </a:effectRef>
+          <a:fontRef idx="minor">
+            <a:schemeClr val="lt1"/>
+          </a:fontRef>
+        </p:style>
+        <p:txBody>
+          <a:bodyPr rtlCol="0" anchor="ctr"/>
+          <a:lstStyle/>
+          <a:p>
+            <a:pPr algn="ctr"/>
+            <a:r>
+              <a:rPr lang="en-GB" dirty="0" smtClean="0">
+                <a:solidFill>
+                  <a:schemeClr val="tx1"/>
+                </a:solidFill>
+              </a:rPr>
+              <a:t>analytic data</a:t>
+            </a:r>
+            <a:endParaRPr lang="en-GB" dirty="0">
+              <a:solidFill>
+                <a:schemeClr val="tx1"/>
+              </a:solidFill>
+            </a:endParaRPr>
+          </a:p>
+        </p:txBody>
+      </p:sp>
+      <p:sp>
+        <p:nvSpPr>
+          <p:cNvPr id="15" name="Flowchart: Document 14"/>
+          <p:cNvSpPr/>
+          <p:nvPr/>
+        </p:nvSpPr>
+        <p:spPr>
+          <a:xfrm>
+            <a:off x="9410700" y="1121050"/>
+            <a:ext cx="1724025" cy="915850"/>
+          </a:xfrm>
+          <a:prstGeom prst="flowChartDocument">
+            <a:avLst/>
+          </a:prstGeom>
+          <a:solidFill>
+            <a:schemeClr val="accent1">
+              <a:lumMod val="20000"/>
+              <a:lumOff val="80000"/>
+            </a:schemeClr>
+          </a:solidFill>
+        </p:spPr>
+        <p:style>
+          <a:lnRef idx="2">
+            <a:schemeClr val="accent1">
+              <a:shade val="50000"/>
+            </a:schemeClr>
+          </a:lnRef>
+          <a:fillRef idx="1">
+            <a:schemeClr val="accent1"/>
+          </a:fillRef>
+          <a:effectRef idx="0">
+            <a:schemeClr val="accent1"/>
+          </a:effectRef>
+          <a:fontRef idx="minor">
+            <a:schemeClr val="lt1"/>
+          </a:fontRef>
+        </p:style>
+        <p:txBody>
+          <a:bodyPr rtlCol="0" anchor="ctr"/>
+          <a:lstStyle/>
+          <a:p>
+            <a:pPr algn="ctr"/>
+            <a:endParaRPr lang="en-GB"/>
+          </a:p>
+        </p:txBody>
+      </p:sp>
+      <p:sp>
+        <p:nvSpPr>
+          <p:cNvPr id="16" name="Flowchart: Document 15"/>
+          <p:cNvSpPr/>
+          <p:nvPr/>
+        </p:nvSpPr>
+        <p:spPr>
+          <a:xfrm>
+            <a:off x="9563100" y="1273450"/>
+            <a:ext cx="1724025" cy="915850"/>
+          </a:xfrm>
+          <a:prstGeom prst="flowChartDocument">
+            <a:avLst/>
+          </a:prstGeom>
+          <a:solidFill>
+            <a:schemeClr val="accent1">
+              <a:lumMod val="20000"/>
+              <a:lumOff val="80000"/>
+            </a:schemeClr>
+          </a:solidFill>
+        </p:spPr>
+        <p:style>
+          <a:lnRef idx="2">
+            <a:schemeClr val="accent1">
+              <a:shade val="50000"/>
+            </a:schemeClr>
+          </a:lnRef>
+          <a:fillRef idx="1">
+            <a:schemeClr val="accent1"/>
+          </a:fillRef>
+          <a:effectRef idx="0">
+            <a:schemeClr val="accent1"/>
+          </a:effectRef>
+          <a:fontRef idx="minor">
+            <a:schemeClr val="lt1"/>
+          </a:fontRef>
+        </p:style>
+        <p:txBody>
+          <a:bodyPr rtlCol="0" anchor="ctr"/>
+          <a:lstStyle/>
+          <a:p>
+            <a:pPr algn="ctr"/>
+            <a:endParaRPr lang="en-GB"/>
+          </a:p>
+        </p:txBody>
+      </p:sp>
+      <p:sp>
+        <p:nvSpPr>
+          <p:cNvPr id="17" name="Flowchart: Document 16"/>
+          <p:cNvSpPr/>
+          <p:nvPr/>
+        </p:nvSpPr>
+        <p:spPr>
+          <a:xfrm>
+            <a:off x="9715500" y="1425850"/>
+            <a:ext cx="1724025" cy="915850"/>
+          </a:xfrm>
+          <a:prstGeom prst="flowChartDocument">
+            <a:avLst/>
+          </a:prstGeom>
+          <a:solidFill>
+            <a:schemeClr val="accent1">
+              <a:lumMod val="20000"/>
+              <a:lumOff val="80000"/>
+            </a:schemeClr>
+          </a:solidFill>
+        </p:spPr>
+        <p:style>
+          <a:lnRef idx="2">
+            <a:schemeClr val="accent1">
+              <a:shade val="50000"/>
+            </a:schemeClr>
+          </a:lnRef>
+          <a:fillRef idx="1">
+            <a:schemeClr val="accent1"/>
+          </a:fillRef>
+          <a:effectRef idx="0">
+            <a:schemeClr val="accent1"/>
+          </a:effectRef>
+          <a:fontRef idx="minor">
+            <a:schemeClr val="lt1"/>
+          </a:fontRef>
+        </p:style>
+        <p:txBody>
+          <a:bodyPr rtlCol="0" anchor="ctr"/>
+          <a:lstStyle/>
+          <a:p>
+            <a:pPr algn="ctr"/>
+            <a:endParaRPr lang="en-GB"/>
+          </a:p>
+        </p:txBody>
+      </p:sp>
+      <p:sp>
+        <p:nvSpPr>
+          <p:cNvPr id="18" name="Flowchart: Document 17"/>
+          <p:cNvSpPr/>
+          <p:nvPr/>
+        </p:nvSpPr>
+        <p:spPr>
+          <a:xfrm>
+            <a:off x="9867900" y="1578250"/>
+            <a:ext cx="1724025" cy="915850"/>
+          </a:xfrm>
+          <a:prstGeom prst="flowChartDocument">
+            <a:avLst/>
+          </a:prstGeom>
+          <a:solidFill>
+            <a:schemeClr val="accent1">
+              <a:lumMod val="20000"/>
+              <a:lumOff val="80000"/>
+            </a:schemeClr>
+          </a:solidFill>
+        </p:spPr>
+        <p:style>
+          <a:lnRef idx="2">
+            <a:schemeClr val="accent1">
+              <a:shade val="50000"/>
+            </a:schemeClr>
+          </a:lnRef>
+          <a:fillRef idx="1">
+            <a:schemeClr val="accent1"/>
+          </a:fillRef>
+          <a:effectRef idx="0">
+            <a:schemeClr val="accent1"/>
+          </a:effectRef>
+          <a:fontRef idx="minor">
+            <a:schemeClr val="lt1"/>
+          </a:fontRef>
+        </p:style>
+        <p:txBody>
+          <a:bodyPr rtlCol="0" anchor="ctr"/>
+          <a:lstStyle/>
+          <a:p>
+            <a:pPr algn="ctr"/>
+            <a:r>
+              <a:rPr lang="en-GB" dirty="0" smtClean="0">
+                <a:solidFill>
+                  <a:schemeClr val="tx1"/>
+                </a:solidFill>
+              </a:rPr>
+              <a:t>performance related data</a:t>
+            </a:r>
+            <a:endParaRPr lang="en-GB" dirty="0">
+              <a:solidFill>
+                <a:schemeClr val="tx1"/>
+              </a:solidFill>
+            </a:endParaRPr>
+          </a:p>
+        </p:txBody>
+      </p:sp>
+      <p:sp>
+        <p:nvSpPr>
+          <p:cNvPr id="19" name="Flowchart: Internal Storage 18"/>
+          <p:cNvSpPr/>
+          <p:nvPr/>
+        </p:nvSpPr>
+        <p:spPr>
+          <a:xfrm>
+            <a:off x="9563100" y="2833505"/>
+            <a:ext cx="1971675" cy="990600"/>
+          </a:xfrm>
+          <a:prstGeom prst="flowChartInternalStorage">
+            <a:avLst/>
+          </a:prstGeom>
+          <a:solidFill>
+            <a:schemeClr val="accent1">
+              <a:lumMod val="20000"/>
+              <a:lumOff val="80000"/>
+            </a:schemeClr>
+          </a:solidFill>
+        </p:spPr>
+        <p:style>
+          <a:lnRef idx="2">
+            <a:schemeClr val="accent1">
+              <a:shade val="50000"/>
+            </a:schemeClr>
+          </a:lnRef>
+          <a:fillRef idx="1">
+            <a:schemeClr val="accent1"/>
+          </a:fillRef>
+          <a:effectRef idx="0">
+            <a:schemeClr val="accent1"/>
+          </a:effectRef>
+          <a:fontRef idx="minor">
+            <a:schemeClr val="lt1"/>
+          </a:fontRef>
+        </p:style>
+        <p:txBody>
+          <a:bodyPr rtlCol="0" anchor="ctr"/>
+          <a:lstStyle/>
+          <a:p>
+            <a:pPr algn="ctr"/>
+            <a:r>
+              <a:rPr lang="en-GB" dirty="0" smtClean="0">
+                <a:solidFill>
+                  <a:schemeClr val="tx1"/>
+                </a:solidFill>
+              </a:rPr>
+              <a:t>Text</a:t>
+            </a:r>
+            <a:endParaRPr lang="en-GB" dirty="0">
+              <a:solidFill>
+                <a:schemeClr val="tx1"/>
+              </a:solidFill>
+            </a:endParaRPr>
+          </a:p>
+        </p:txBody>
+      </p:sp>
+      <p:sp>
+        <p:nvSpPr>
+          <p:cNvPr id="20" name="Flowchart: Internal Storage 19"/>
+          <p:cNvSpPr/>
+          <p:nvPr/>
+        </p:nvSpPr>
+        <p:spPr>
+          <a:xfrm>
+            <a:off x="9563100" y="4043180"/>
+            <a:ext cx="1971675" cy="990600"/>
+          </a:xfrm>
+          <a:prstGeom prst="flowChartInternalStorage">
+            <a:avLst/>
+          </a:prstGeom>
+          <a:solidFill>
+            <a:schemeClr val="accent1">
+              <a:lumMod val="20000"/>
+              <a:lumOff val="80000"/>
+            </a:schemeClr>
+          </a:solidFill>
+        </p:spPr>
+        <p:style>
+          <a:lnRef idx="2">
+            <a:schemeClr val="accent1">
+              <a:shade val="50000"/>
+            </a:schemeClr>
+          </a:lnRef>
+          <a:fillRef idx="1">
+            <a:schemeClr val="accent1"/>
+          </a:fillRef>
+          <a:effectRef idx="0">
+            <a:schemeClr val="accent1"/>
+          </a:effectRef>
+          <a:fontRef idx="minor">
+            <a:schemeClr val="lt1"/>
+          </a:fontRef>
+        </p:style>
+        <p:txBody>
+          <a:bodyPr rtlCol="0" anchor="ctr"/>
+          <a:lstStyle/>
+          <a:p>
+            <a:pPr algn="ctr"/>
+            <a:r>
+              <a:rPr lang="en-GB" dirty="0" smtClean="0">
+                <a:solidFill>
+                  <a:schemeClr val="tx1"/>
+                </a:solidFill>
+              </a:rPr>
+              <a:t>Visualisation</a:t>
+            </a:r>
+            <a:endParaRPr lang="en-GB" dirty="0">
+              <a:solidFill>
+                <a:schemeClr val="tx1"/>
+              </a:solidFill>
+            </a:endParaRPr>
+          </a:p>
+        </p:txBody>
+      </p:sp>
+      <p:sp>
+        <p:nvSpPr>
+          <p:cNvPr id="21" name="TextBox 20"/>
+          <p:cNvSpPr txBox="1"/>
+          <p:nvPr/>
+        </p:nvSpPr>
+        <p:spPr>
+          <a:xfrm>
+            <a:off x="9558337" y="5252855"/>
+            <a:ext cx="1976438" cy="369332"/>
+          </a:xfrm>
+          <a:prstGeom prst="rect">
+            <a:avLst/>
+          </a:prstGeom>
+          <a:noFill/>
+        </p:spPr>
+        <p:txBody>
+          <a:bodyPr wrap="square" rtlCol="0">
+            <a:spAutoFit/>
+          </a:bodyPr>
+          <a:lstStyle/>
+          <a:p>
+            <a:r>
+              <a:rPr lang="en-GB" dirty="0"/>
+              <a:t>r</a:t>
+            </a:r>
+            <a:r>
+              <a:rPr lang="en-GB" dirty="0" smtClean="0"/>
+              <a:t>eproducible paper</a:t>
+            </a:r>
+            <a:endParaRPr lang="en-GB" dirty="0"/>
+          </a:p>
+        </p:txBody>
+      </p:sp>
+      <p:sp>
+        <p:nvSpPr>
+          <p:cNvPr id="23" name="Rectangle 22"/>
+          <p:cNvSpPr/>
+          <p:nvPr/>
+        </p:nvSpPr>
+        <p:spPr>
+          <a:xfrm>
+            <a:off x="8815388" y="781645"/>
+            <a:ext cx="3209925" cy="5104805"/>
+          </a:xfrm>
+          <a:prstGeom prst="rect">
+            <a:avLst/>
+          </a:prstGeom>
+          <a:noFill/>
+          <a:ln>
+            <a:solidFill>
+              <a:schemeClr val="accent5"/>
+            </a:solidFill>
+            <a:prstDash val="lgDash"/>
+          </a:ln>
+        </p:spPr>
+        <p:style>
+          <a:lnRef idx="2">
+            <a:schemeClr val="accent1">
+              <a:shade val="50000"/>
+            </a:schemeClr>
+          </a:lnRef>
+          <a:fillRef idx="1">
+            <a:schemeClr val="accent1"/>
+          </a:fillRef>
+          <a:effectRef idx="0">
+            <a:schemeClr val="accent1"/>
+          </a:effectRef>
+          <a:fontRef idx="minor">
+            <a:schemeClr val="lt1"/>
+          </a:fontRef>
+        </p:style>
+        <p:txBody>
+          <a:bodyPr rtlCol="0" anchor="ctr"/>
+          <a:lstStyle/>
+          <a:p>
+            <a:pPr algn="ctr"/>
+            <a:endParaRPr lang="en-GB"/>
+          </a:p>
+        </p:txBody>
+      </p:sp>
+      <p:sp>
+        <p:nvSpPr>
+          <p:cNvPr id="24" name="Right Arrow 23"/>
+          <p:cNvSpPr/>
+          <p:nvPr/>
+        </p:nvSpPr>
+        <p:spPr>
+          <a:xfrm>
+            <a:off x="5391150" y="2733675"/>
+            <a:ext cx="552450" cy="775901"/>
+          </a:xfrm>
+          <a:prstGeom prst="rightArrow">
+            <a:avLst/>
+          </a:prstGeom>
+        </p:spPr>
+        <p:style>
+          <a:lnRef idx="2">
+            <a:schemeClr val="accent1">
+              <a:shade val="50000"/>
+            </a:schemeClr>
+          </a:lnRef>
+          <a:fillRef idx="1">
+            <a:schemeClr val="accent1"/>
+          </a:fillRef>
+          <a:effectRef idx="0">
+            <a:schemeClr val="accent1"/>
+          </a:effectRef>
+          <a:fontRef idx="minor">
+            <a:schemeClr val="lt1"/>
+          </a:fontRef>
+        </p:style>
+        <p:txBody>
+          <a:bodyPr rtlCol="0" anchor="ctr"/>
+          <a:lstStyle/>
+          <a:p>
+            <a:pPr algn="ctr"/>
+            <a:endParaRPr lang="en-GB"/>
+          </a:p>
+        </p:txBody>
+      </p:sp>
+      <p:sp>
+        <p:nvSpPr>
+          <p:cNvPr id="25" name="Right Arrow 24"/>
+          <p:cNvSpPr/>
+          <p:nvPr/>
+        </p:nvSpPr>
+        <p:spPr>
+          <a:xfrm>
+            <a:off x="8355807" y="2733675"/>
+            <a:ext cx="552450" cy="775901"/>
+          </a:xfrm>
+          <a:prstGeom prst="rightArrow">
+            <a:avLst/>
+          </a:prstGeom>
+        </p:spPr>
+        <p:style>
+          <a:lnRef idx="2">
+            <a:schemeClr val="accent1">
+              <a:shade val="50000"/>
+            </a:schemeClr>
+          </a:lnRef>
+          <a:fillRef idx="1">
+            <a:schemeClr val="accent1"/>
+          </a:fillRef>
+          <a:effectRef idx="0">
+            <a:schemeClr val="accent1"/>
+          </a:effectRef>
+          <a:fontRef idx="minor">
+            <a:schemeClr val="lt1"/>
+          </a:fontRef>
+        </p:style>
+        <p:txBody>
+          <a:bodyPr rtlCol="0" anchor="ctr"/>
+          <a:lstStyle/>
+          <a:p>
+            <a:pPr algn="ctr"/>
+            <a:endParaRPr lang="en-GB"/>
+          </a:p>
+        </p:txBody>
+      </p:sp>
+    </p:spTree>
+    <p:extLst>
+      <p:ext uri="{BB962C8B-B14F-4D97-AF65-F5344CB8AC3E}">
+        <p14:creationId xmlns:p14="http://schemas.microsoft.com/office/powerpoint/2010/main" val="2127130482"/>
+      </p:ext>
+    </p:extLst>
+  </p:cSld>
+  <p:clrMapOvr>
+    <a:masterClrMapping/>
+  </p:clrMapOvr>
+</p:sld>
+</file>
+
+<file path=ppt/slides/slide2.xml><?xml version="1.0" encoding="utf-8"?>
 <p:sld xmlns:a="http://schemas.openxmlformats.org/drawingml/2006/main" xmlns:r="http://schemas.openxmlformats.org/officeDocument/2006/relationships" xmlns:p="http://schemas.openxmlformats.org/presentationml/2006/main">
   <p:cSld>
     <p:spTree>

--- a/figures/figures-self-drawn.pptx
+++ b/figures/figures-self-drawn.pptx
@@ -7,6 +7,7 @@
   <p:sldIdLst>
     <p:sldId id="257" r:id="rId2"/>
     <p:sldId id="256" r:id="rId3"/>
+    <p:sldId id="258" r:id="rId4"/>
   </p:sldIdLst>
   <p:sldSz cx="12192000" cy="6858000"/>
   <p:notesSz cx="6858000" cy="9144000"/>
@@ -244,7 +245,7 @@
           <a:p>
             <a:fld id="{3C2CF9B3-DF89-4EB8-83B1-CA721AF4682E}" type="datetimeFigureOut">
               <a:rPr lang="en-GB" smtClean="0"/>
-              <a:t>12-07-2021</a:t>
+              <a:t>22-07-2021</a:t>
             </a:fld>
             <a:endParaRPr lang="en-GB"/>
           </a:p>
@@ -414,7 +415,7 @@
           <a:p>
             <a:fld id="{3C2CF9B3-DF89-4EB8-83B1-CA721AF4682E}" type="datetimeFigureOut">
               <a:rPr lang="en-GB" smtClean="0"/>
-              <a:t>12-07-2021</a:t>
+              <a:t>22-07-2021</a:t>
             </a:fld>
             <a:endParaRPr lang="en-GB"/>
           </a:p>
@@ -594,7 +595,7 @@
           <a:p>
             <a:fld id="{3C2CF9B3-DF89-4EB8-83B1-CA721AF4682E}" type="datetimeFigureOut">
               <a:rPr lang="en-GB" smtClean="0"/>
-              <a:t>12-07-2021</a:t>
+              <a:t>22-07-2021</a:t>
             </a:fld>
             <a:endParaRPr lang="en-GB"/>
           </a:p>
@@ -764,7 +765,7 @@
           <a:p>
             <a:fld id="{3C2CF9B3-DF89-4EB8-83B1-CA721AF4682E}" type="datetimeFigureOut">
               <a:rPr lang="en-GB" smtClean="0"/>
-              <a:t>12-07-2021</a:t>
+              <a:t>22-07-2021</a:t>
             </a:fld>
             <a:endParaRPr lang="en-GB"/>
           </a:p>
@@ -1010,7 +1011,7 @@
           <a:p>
             <a:fld id="{3C2CF9B3-DF89-4EB8-83B1-CA721AF4682E}" type="datetimeFigureOut">
               <a:rPr lang="en-GB" smtClean="0"/>
-              <a:t>12-07-2021</a:t>
+              <a:t>22-07-2021</a:t>
             </a:fld>
             <a:endParaRPr lang="en-GB"/>
           </a:p>
@@ -1242,7 +1243,7 @@
           <a:p>
             <a:fld id="{3C2CF9B3-DF89-4EB8-83B1-CA721AF4682E}" type="datetimeFigureOut">
               <a:rPr lang="en-GB" smtClean="0"/>
-              <a:t>12-07-2021</a:t>
+              <a:t>22-07-2021</a:t>
             </a:fld>
             <a:endParaRPr lang="en-GB"/>
           </a:p>
@@ -1609,7 +1610,7 @@
           <a:p>
             <a:fld id="{3C2CF9B3-DF89-4EB8-83B1-CA721AF4682E}" type="datetimeFigureOut">
               <a:rPr lang="en-GB" smtClean="0"/>
-              <a:t>12-07-2021</a:t>
+              <a:t>22-07-2021</a:t>
             </a:fld>
             <a:endParaRPr lang="en-GB"/>
           </a:p>
@@ -1727,7 +1728,7 @@
           <a:p>
             <a:fld id="{3C2CF9B3-DF89-4EB8-83B1-CA721AF4682E}" type="datetimeFigureOut">
               <a:rPr lang="en-GB" smtClean="0"/>
-              <a:t>12-07-2021</a:t>
+              <a:t>22-07-2021</a:t>
             </a:fld>
             <a:endParaRPr lang="en-GB"/>
           </a:p>
@@ -1822,7 +1823,7 @@
           <a:p>
             <a:fld id="{3C2CF9B3-DF89-4EB8-83B1-CA721AF4682E}" type="datetimeFigureOut">
               <a:rPr lang="en-GB" smtClean="0"/>
-              <a:t>12-07-2021</a:t>
+              <a:t>22-07-2021</a:t>
             </a:fld>
             <a:endParaRPr lang="en-GB"/>
           </a:p>
@@ -2099,7 +2100,7 @@
           <a:p>
             <a:fld id="{3C2CF9B3-DF89-4EB8-83B1-CA721AF4682E}" type="datetimeFigureOut">
               <a:rPr lang="en-GB" smtClean="0"/>
-              <a:t>12-07-2021</a:t>
+              <a:t>22-07-2021</a:t>
             </a:fld>
             <a:endParaRPr lang="en-GB"/>
           </a:p>
@@ -2352,7 +2353,7 @@
           <a:p>
             <a:fld id="{3C2CF9B3-DF89-4EB8-83B1-CA721AF4682E}" type="datetimeFigureOut">
               <a:rPr lang="en-GB" smtClean="0"/>
-              <a:t>12-07-2021</a:t>
+              <a:t>22-07-2021</a:t>
             </a:fld>
             <a:endParaRPr lang="en-GB"/>
           </a:p>
@@ -2565,7 +2566,7 @@
           <a:p>
             <a:fld id="{3C2CF9B3-DF89-4EB8-83B1-CA721AF4682E}" type="datetimeFigureOut">
               <a:rPr lang="en-GB" smtClean="0"/>
-              <a:t>12-07-2021</a:t>
+              <a:t>22-07-2021</a:t>
             </a:fld>
             <a:endParaRPr lang="en-GB"/>
           </a:p>
@@ -8049,6 +8050,126 @@
 </p:sld>
 </file>
 
+<file path=ppt/slides/slide3.xml><?xml version="1.0" encoding="utf-8"?>
+<p:sld xmlns:a="http://schemas.openxmlformats.org/drawingml/2006/main" xmlns:r="http://schemas.openxmlformats.org/officeDocument/2006/relationships" xmlns:p="http://schemas.openxmlformats.org/presentationml/2006/main">
+  <p:cSld>
+    <p:spTree>
+      <p:nvGrpSpPr>
+        <p:cNvPr id="1" name=""/>
+        <p:cNvGrpSpPr/>
+        <p:nvPr/>
+      </p:nvGrpSpPr>
+      <p:grpSpPr>
+        <a:xfrm>
+          <a:off x="0" y="0"/>
+          <a:ext cx="0" cy="0"/>
+          <a:chOff x="0" y="0"/>
+          <a:chExt cx="0" cy="0"/>
+        </a:xfrm>
+      </p:grpSpPr>
+      <p:pic>
+        <p:nvPicPr>
+          <p:cNvPr id="2" name="Picture"/>
+          <p:cNvPicPr/>
+          <p:nvPr/>
+        </p:nvPicPr>
+        <p:blipFill>
+          <a:blip r:embed="rId2"/>
+          <a:stretch>
+            <a:fillRect/>
+          </a:stretch>
+        </p:blipFill>
+        <p:spPr bwMode="auto">
+          <a:xfrm>
+            <a:off x="654342" y="771787"/>
+            <a:ext cx="7865378" cy="4304403"/>
+          </a:xfrm>
+          <a:prstGeom prst="rect">
+            <a:avLst/>
+          </a:prstGeom>
+          <a:noFill/>
+          <a:ln w="9525">
+            <a:noFill/>
+            <a:headEnd/>
+            <a:tailEnd/>
+          </a:ln>
+        </p:spPr>
+      </p:pic>
+      <p:pic>
+        <p:nvPicPr>
+          <p:cNvPr id="3" name="Picture" descr="Figure 3.4: Resilience concept applied to observed US air traffic development"/>
+          <p:cNvPicPr/>
+          <p:nvPr/>
+        </p:nvPicPr>
+        <p:blipFill>
+          <a:blip r:embed="rId3"/>
+          <a:stretch>
+            <a:fillRect/>
+          </a:stretch>
+        </p:blipFill>
+        <p:spPr bwMode="auto">
+          <a:xfrm>
+            <a:off x="6465815" y="3040158"/>
+            <a:ext cx="5334000" cy="3294380"/>
+          </a:xfrm>
+          <a:prstGeom prst="rect">
+            <a:avLst/>
+          </a:prstGeom>
+          <a:noFill/>
+          <a:ln w="9525">
+            <a:noFill/>
+            <a:headEnd/>
+            <a:tailEnd/>
+          </a:ln>
+        </p:spPr>
+      </p:pic>
+      <p:sp>
+        <p:nvSpPr>
+          <p:cNvPr id="4" name="TextBox 3"/>
+          <p:cNvSpPr txBox="1"/>
+          <p:nvPr/>
+        </p:nvSpPr>
+        <p:spPr>
+          <a:xfrm>
+            <a:off x="8607105" y="662730"/>
+            <a:ext cx="2004968" cy="646331"/>
+          </a:xfrm>
+          <a:prstGeom prst="rect">
+            <a:avLst/>
+          </a:prstGeom>
+          <a:noFill/>
+        </p:spPr>
+        <p:txBody>
+          <a:bodyPr wrap="square" rtlCol="0">
+            <a:spAutoFit/>
+          </a:bodyPr>
+          <a:lstStyle/>
+          <a:p>
+            <a:r>
+              <a:rPr lang="en-GB" dirty="0" smtClean="0"/>
+              <a:t>Try to remove </a:t>
+            </a:r>
+            <a:r>
+              <a:rPr lang="en-GB" smtClean="0"/>
+              <a:t>grey band</a:t>
+            </a:r>
+            <a:endParaRPr lang="en-GB"/>
+          </a:p>
+        </p:txBody>
+      </p:sp>
+    </p:spTree>
+    <p:extLst>
+      <p:ext uri="{BB962C8B-B14F-4D97-AF65-F5344CB8AC3E}">
+        <p14:creationId xmlns:p14="http://schemas.microsoft.com/office/powerpoint/2010/main" val="2560642378"/>
+      </p:ext>
+    </p:extLst>
+  </p:cSld>
+  <p:clrMapOvr>
+    <a:masterClrMapping/>
+  </p:clrMapOvr>
+</p:sld>
+</file>
+
 <file path=ppt/theme/theme1.xml><?xml version="1.0" encoding="utf-8"?>
 <a:theme xmlns:a="http://schemas.openxmlformats.org/drawingml/2006/main" name="Office Theme">
   <a:themeElements>

--- a/figures/figures-self-drawn.pptx
+++ b/figures/figures-self-drawn.pptx
@@ -8,6 +8,7 @@
     <p:sldId id="257" r:id="rId2"/>
     <p:sldId id="256" r:id="rId3"/>
     <p:sldId id="258" r:id="rId4"/>
+    <p:sldId id="259" r:id="rId5"/>
   </p:sldIdLst>
   <p:sldSz cx="12192000" cy="6858000"/>
   <p:notesSz cx="6858000" cy="9144000"/>
@@ -8147,13 +8148,9 @@
           <a:p>
             <a:r>
               <a:rPr lang="en-GB" dirty="0" smtClean="0"/>
-              <a:t>Try to remove </a:t>
+              <a:t>Try to remove grey band</a:t>
             </a:r>
-            <a:r>
-              <a:rPr lang="en-GB" smtClean="0"/>
-              <a:t>grey band</a:t>
-            </a:r>
-            <a:endParaRPr lang="en-GB"/>
+            <a:endParaRPr lang="en-GB" dirty="0"/>
           </a:p>
         </p:txBody>
       </p:sp>
@@ -8161,6 +8158,64 @@
     <p:extLst>
       <p:ext uri="{BB962C8B-B14F-4D97-AF65-F5344CB8AC3E}">
         <p14:creationId xmlns:p14="http://schemas.microsoft.com/office/powerpoint/2010/main" val="2560642378"/>
+      </p:ext>
+    </p:extLst>
+  </p:cSld>
+  <p:clrMapOvr>
+    <a:masterClrMapping/>
+  </p:clrMapOvr>
+</p:sld>
+</file>
+
+<file path=ppt/slides/slide4.xml><?xml version="1.0" encoding="utf-8"?>
+<p:sld xmlns:a="http://schemas.openxmlformats.org/drawingml/2006/main" xmlns:r="http://schemas.openxmlformats.org/officeDocument/2006/relationships" xmlns:p="http://schemas.openxmlformats.org/presentationml/2006/main">
+  <p:cSld>
+    <p:spTree>
+      <p:nvGrpSpPr>
+        <p:cNvPr id="1" name=""/>
+        <p:cNvGrpSpPr/>
+        <p:nvPr/>
+      </p:nvGrpSpPr>
+      <p:grpSpPr>
+        <a:xfrm>
+          <a:off x="0" y="0"/>
+          <a:ext cx="0" cy="0"/>
+          <a:chOff x="0" y="0"/>
+          <a:chExt cx="0" cy="0"/>
+        </a:xfrm>
+      </p:grpSpPr>
+      <p:pic>
+        <p:nvPicPr>
+          <p:cNvPr id="2" name="Picture" descr="Figure 4.1: Timeline for United States, Europe, and Brazil"/>
+          <p:cNvPicPr/>
+          <p:nvPr/>
+        </p:nvPicPr>
+        <p:blipFill>
+          <a:blip r:embed="rId2"/>
+          <a:stretch>
+            <a:fillRect/>
+          </a:stretch>
+        </p:blipFill>
+        <p:spPr bwMode="auto">
+          <a:xfrm>
+            <a:off x="2021747" y="1568741"/>
+            <a:ext cx="6741253" cy="3507449"/>
+          </a:xfrm>
+          <a:prstGeom prst="rect">
+            <a:avLst/>
+          </a:prstGeom>
+          <a:noFill/>
+          <a:ln w="9525">
+            <a:noFill/>
+            <a:headEnd/>
+            <a:tailEnd/>
+          </a:ln>
+        </p:spPr>
+      </p:pic>
+    </p:spTree>
+    <p:extLst>
+      <p:ext uri="{BB962C8B-B14F-4D97-AF65-F5344CB8AC3E}">
+        <p14:creationId xmlns:p14="http://schemas.microsoft.com/office/powerpoint/2010/main" val="1911037541"/>
       </p:ext>
     </p:extLst>
   </p:cSld>

--- a/figures/figures-self-drawn.pptx
+++ b/figures/figures-self-drawn.pptx
@@ -246,7 +246,7 @@
           <a:p>
             <a:fld id="{3C2CF9B3-DF89-4EB8-83B1-CA721AF4682E}" type="datetimeFigureOut">
               <a:rPr lang="en-GB" smtClean="0"/>
-              <a:t>22-07-2021</a:t>
+              <a:t>23-07-2021</a:t>
             </a:fld>
             <a:endParaRPr lang="en-GB"/>
           </a:p>
@@ -416,7 +416,7 @@
           <a:p>
             <a:fld id="{3C2CF9B3-DF89-4EB8-83B1-CA721AF4682E}" type="datetimeFigureOut">
               <a:rPr lang="en-GB" smtClean="0"/>
-              <a:t>22-07-2021</a:t>
+              <a:t>23-07-2021</a:t>
             </a:fld>
             <a:endParaRPr lang="en-GB"/>
           </a:p>
@@ -596,7 +596,7 @@
           <a:p>
             <a:fld id="{3C2CF9B3-DF89-4EB8-83B1-CA721AF4682E}" type="datetimeFigureOut">
               <a:rPr lang="en-GB" smtClean="0"/>
-              <a:t>22-07-2021</a:t>
+              <a:t>23-07-2021</a:t>
             </a:fld>
             <a:endParaRPr lang="en-GB"/>
           </a:p>
@@ -766,7 +766,7 @@
           <a:p>
             <a:fld id="{3C2CF9B3-DF89-4EB8-83B1-CA721AF4682E}" type="datetimeFigureOut">
               <a:rPr lang="en-GB" smtClean="0"/>
-              <a:t>22-07-2021</a:t>
+              <a:t>23-07-2021</a:t>
             </a:fld>
             <a:endParaRPr lang="en-GB"/>
           </a:p>
@@ -1012,7 +1012,7 @@
           <a:p>
             <a:fld id="{3C2CF9B3-DF89-4EB8-83B1-CA721AF4682E}" type="datetimeFigureOut">
               <a:rPr lang="en-GB" smtClean="0"/>
-              <a:t>22-07-2021</a:t>
+              <a:t>23-07-2021</a:t>
             </a:fld>
             <a:endParaRPr lang="en-GB"/>
           </a:p>
@@ -1244,7 +1244,7 @@
           <a:p>
             <a:fld id="{3C2CF9B3-DF89-4EB8-83B1-CA721AF4682E}" type="datetimeFigureOut">
               <a:rPr lang="en-GB" smtClean="0"/>
-              <a:t>22-07-2021</a:t>
+              <a:t>23-07-2021</a:t>
             </a:fld>
             <a:endParaRPr lang="en-GB"/>
           </a:p>
@@ -1611,7 +1611,7 @@
           <a:p>
             <a:fld id="{3C2CF9B3-DF89-4EB8-83B1-CA721AF4682E}" type="datetimeFigureOut">
               <a:rPr lang="en-GB" smtClean="0"/>
-              <a:t>22-07-2021</a:t>
+              <a:t>23-07-2021</a:t>
             </a:fld>
             <a:endParaRPr lang="en-GB"/>
           </a:p>
@@ -1729,7 +1729,7 @@
           <a:p>
             <a:fld id="{3C2CF9B3-DF89-4EB8-83B1-CA721AF4682E}" type="datetimeFigureOut">
               <a:rPr lang="en-GB" smtClean="0"/>
-              <a:t>22-07-2021</a:t>
+              <a:t>23-07-2021</a:t>
             </a:fld>
             <a:endParaRPr lang="en-GB"/>
           </a:p>
@@ -1824,7 +1824,7 @@
           <a:p>
             <a:fld id="{3C2CF9B3-DF89-4EB8-83B1-CA721AF4682E}" type="datetimeFigureOut">
               <a:rPr lang="en-GB" smtClean="0"/>
-              <a:t>22-07-2021</a:t>
+              <a:t>23-07-2021</a:t>
             </a:fld>
             <a:endParaRPr lang="en-GB"/>
           </a:p>
@@ -2101,7 +2101,7 @@
           <a:p>
             <a:fld id="{3C2CF9B3-DF89-4EB8-83B1-CA721AF4682E}" type="datetimeFigureOut">
               <a:rPr lang="en-GB" smtClean="0"/>
-              <a:t>22-07-2021</a:t>
+              <a:t>23-07-2021</a:t>
             </a:fld>
             <a:endParaRPr lang="en-GB"/>
           </a:p>
@@ -2354,7 +2354,7 @@
           <a:p>
             <a:fld id="{3C2CF9B3-DF89-4EB8-83B1-CA721AF4682E}" type="datetimeFigureOut">
               <a:rPr lang="en-GB" smtClean="0"/>
-              <a:t>22-07-2021</a:t>
+              <a:t>23-07-2021</a:t>
             </a:fld>
             <a:endParaRPr lang="en-GB"/>
           </a:p>
@@ -2567,7 +2567,7 @@
           <a:p>
             <a:fld id="{3C2CF9B3-DF89-4EB8-83B1-CA721AF4682E}" type="datetimeFigureOut">
               <a:rPr lang="en-GB" smtClean="0"/>
-              <a:t>22-07-2021</a:t>
+              <a:t>23-07-2021</a:t>
             </a:fld>
             <a:endParaRPr lang="en-GB"/>
           </a:p>
@@ -3137,7 +3137,7 @@
           <a:lstStyle/>
           <a:p>
             <a:pPr algn="ctr"/>
-            <a:endParaRPr lang="en-GB"/>
+            <a:endParaRPr lang="en-GB" dirty="0"/>
           </a:p>
         </p:txBody>
       </p:sp>
@@ -3183,7 +3183,7 @@
         </p:nvSpPr>
         <p:spPr>
           <a:xfrm>
-            <a:off x="3248025" y="3684725"/>
+            <a:off x="3541181" y="4344472"/>
             <a:ext cx="1047750" cy="1247775"/>
           </a:xfrm>
           <a:prstGeom prst="can">
@@ -3223,7 +3223,7 @@
         </p:nvSpPr>
         <p:spPr>
           <a:xfrm>
-            <a:off x="3133725" y="3324910"/>
+            <a:off x="2027790" y="2364343"/>
             <a:ext cx="1704975" cy="369332"/>
           </a:xfrm>
           <a:prstGeom prst="rect">
@@ -3238,8 +3238,8 @@
           <a:lstStyle/>
           <a:p>
             <a:r>
-              <a:rPr lang="en-GB" dirty="0" smtClean="0"/>
-              <a:t>John Hopkins</a:t>
+              <a:rPr lang="en-GB" dirty="0" err="1" smtClean="0"/>
+              <a:t>ourairports</a:t>
             </a:r>
             <a:endParaRPr lang="en-GB" dirty="0"/>
           </a:p>
@@ -4009,6 +4009,196 @@
           <a:p>
             <a:pPr algn="ctr"/>
             <a:endParaRPr lang="en-GB"/>
+          </a:p>
+        </p:txBody>
+      </p:sp>
+      <p:sp>
+        <p:nvSpPr>
+          <p:cNvPr id="26" name="Can 25"/>
+          <p:cNvSpPr/>
+          <p:nvPr/>
+        </p:nvSpPr>
+        <p:spPr>
+          <a:xfrm>
+            <a:off x="2500311" y="2710160"/>
+            <a:ext cx="512515" cy="574515"/>
+          </a:xfrm>
+          <a:prstGeom prst="can">
+            <a:avLst/>
+          </a:prstGeom>
+        </p:spPr>
+        <p:style>
+          <a:lnRef idx="2">
+            <a:schemeClr val="accent1">
+              <a:shade val="50000"/>
+            </a:schemeClr>
+          </a:lnRef>
+          <a:fillRef idx="1">
+            <a:schemeClr val="accent1"/>
+          </a:fillRef>
+          <a:effectRef idx="0">
+            <a:schemeClr val="accent1"/>
+          </a:effectRef>
+          <a:fontRef idx="minor">
+            <a:schemeClr val="lt1"/>
+          </a:fontRef>
+        </p:style>
+        <p:txBody>
+          <a:bodyPr rtlCol="0" anchor="ctr"/>
+          <a:lstStyle/>
+          <a:p>
+            <a:pPr algn="ctr"/>
+            <a:endParaRPr lang="en-GB" dirty="0"/>
+          </a:p>
+        </p:txBody>
+      </p:sp>
+      <p:sp>
+        <p:nvSpPr>
+          <p:cNvPr id="27" name="Can 26"/>
+          <p:cNvSpPr/>
+          <p:nvPr/>
+        </p:nvSpPr>
+        <p:spPr>
+          <a:xfrm>
+            <a:off x="2773448" y="3324860"/>
+            <a:ext cx="512515" cy="574515"/>
+          </a:xfrm>
+          <a:prstGeom prst="can">
+            <a:avLst/>
+          </a:prstGeom>
+        </p:spPr>
+        <p:style>
+          <a:lnRef idx="2">
+            <a:schemeClr val="accent1">
+              <a:shade val="50000"/>
+            </a:schemeClr>
+          </a:lnRef>
+          <a:fillRef idx="1">
+            <a:schemeClr val="accent1"/>
+          </a:fillRef>
+          <a:effectRef idx="0">
+            <a:schemeClr val="accent1"/>
+          </a:effectRef>
+          <a:fontRef idx="minor">
+            <a:schemeClr val="lt1"/>
+          </a:fontRef>
+        </p:style>
+        <p:txBody>
+          <a:bodyPr rtlCol="0" anchor="ctr"/>
+          <a:lstStyle/>
+          <a:p>
+            <a:pPr algn="ctr"/>
+            <a:endParaRPr lang="en-GB" dirty="0"/>
+          </a:p>
+        </p:txBody>
+      </p:sp>
+      <p:sp>
+        <p:nvSpPr>
+          <p:cNvPr id="28" name="TextBox 27"/>
+          <p:cNvSpPr txBox="1"/>
+          <p:nvPr/>
+        </p:nvSpPr>
+        <p:spPr>
+          <a:xfrm>
+            <a:off x="2097881" y="4985856"/>
+            <a:ext cx="1704975" cy="369332"/>
+          </a:xfrm>
+          <a:prstGeom prst="rect">
+            <a:avLst/>
+          </a:prstGeom>
+          <a:noFill/>
+        </p:spPr>
+        <p:txBody>
+          <a:bodyPr wrap="square" rtlCol="0">
+            <a:spAutoFit/>
+          </a:bodyPr>
+          <a:lstStyle/>
+          <a:p>
+            <a:r>
+              <a:rPr lang="en-GB" dirty="0" smtClean="0"/>
+              <a:t>John Hopkins</a:t>
+            </a:r>
+            <a:endParaRPr lang="en-GB" dirty="0"/>
+          </a:p>
+        </p:txBody>
+      </p:sp>
+      <p:sp>
+        <p:nvSpPr>
+          <p:cNvPr id="29" name="TextBox 28"/>
+          <p:cNvSpPr txBox="1"/>
+          <p:nvPr/>
+        </p:nvSpPr>
+        <p:spPr>
+          <a:xfrm>
+            <a:off x="3285963" y="3310825"/>
+            <a:ext cx="2108114" cy="646331"/>
+          </a:xfrm>
+          <a:prstGeom prst="rect">
+            <a:avLst/>
+          </a:prstGeom>
+          <a:noFill/>
+        </p:spPr>
+        <p:txBody>
+          <a:bodyPr wrap="square" rtlCol="0">
+            <a:spAutoFit/>
+          </a:bodyPr>
+          <a:lstStyle/>
+          <a:p>
+            <a:r>
+              <a:rPr lang="en-GB" dirty="0" smtClean="0"/>
+              <a:t>Flanders Maritime Institute</a:t>
+            </a:r>
+            <a:endParaRPr lang="en-GB" dirty="0"/>
+          </a:p>
+        </p:txBody>
+      </p:sp>
+      <p:sp>
+        <p:nvSpPr>
+          <p:cNvPr id="30" name="Cloud 29"/>
+          <p:cNvSpPr/>
+          <p:nvPr/>
+        </p:nvSpPr>
+        <p:spPr>
+          <a:xfrm>
+            <a:off x="122448" y="3835377"/>
+            <a:ext cx="2377440" cy="1602144"/>
+          </a:xfrm>
+          <a:prstGeom prst="cloud">
+            <a:avLst/>
+          </a:prstGeom>
+        </p:spPr>
+        <p:style>
+          <a:lnRef idx="1">
+            <a:schemeClr val="accent1"/>
+          </a:lnRef>
+          <a:fillRef idx="2">
+            <a:schemeClr val="accent1"/>
+          </a:fillRef>
+          <a:effectRef idx="1">
+            <a:schemeClr val="accent1"/>
+          </a:effectRef>
+          <a:fontRef idx="minor">
+            <a:schemeClr val="dk1"/>
+          </a:fontRef>
+        </p:style>
+        <p:txBody>
+          <a:bodyPr rtlCol="0" anchor="ctr"/>
+          <a:lstStyle/>
+          <a:p>
+            <a:pPr algn="ctr"/>
+            <a:r>
+              <a:rPr lang="en-GB" dirty="0" smtClean="0"/>
+              <a:t>community-collected </a:t>
+            </a:r>
+            <a:r>
+              <a:rPr lang="en-GB" dirty="0" smtClean="0"/>
+              <a:t>COVID </a:t>
+            </a:r>
+            <a:r>
+              <a:rPr lang="en-GB" dirty="0" smtClean="0"/>
+              <a:t>data</a:t>
+            </a:r>
+            <a:endParaRPr lang="en-GB" dirty="0"/>
           </a:p>
         </p:txBody>
       </p:sp>

--- a/figures/figures-self-drawn.pptx
+++ b/figures/figures-self-drawn.pptx
@@ -9,6 +9,7 @@
     <p:sldId id="256" r:id="rId3"/>
     <p:sldId id="258" r:id="rId4"/>
     <p:sldId id="259" r:id="rId5"/>
+    <p:sldId id="260" r:id="rId6"/>
   </p:sldIdLst>
   <p:sldSz cx="12192000" cy="6858000"/>
   <p:notesSz cx="6858000" cy="9144000"/>
@@ -8415,6 +8416,156 @@
 </p:sld>
 </file>
 
+<file path=ppt/slides/slide5.xml><?xml version="1.0" encoding="utf-8"?>
+<p:sld xmlns:a="http://schemas.openxmlformats.org/drawingml/2006/main" xmlns:r="http://schemas.openxmlformats.org/officeDocument/2006/relationships" xmlns:p="http://schemas.openxmlformats.org/presentationml/2006/main">
+  <p:cSld>
+    <p:spTree>
+      <p:nvGrpSpPr>
+        <p:cNvPr id="1" name=""/>
+        <p:cNvGrpSpPr/>
+        <p:nvPr/>
+      </p:nvGrpSpPr>
+      <p:grpSpPr>
+        <a:xfrm>
+          <a:off x="0" y="0"/>
+          <a:ext cx="0" cy="0"/>
+          <a:chOff x="0" y="0"/>
+          <a:chExt cx="0" cy="0"/>
+        </a:xfrm>
+      </p:grpSpPr>
+      <p:pic>
+        <p:nvPicPr>
+          <p:cNvPr id="2" name="Picture 1"/>
+          <p:cNvPicPr>
+            <a:picLocks noChangeAspect="1"/>
+          </p:cNvPicPr>
+          <p:nvPr/>
+        </p:nvPicPr>
+        <p:blipFill>
+          <a:blip r:embed="rId2" cstate="print">
+            <a:extLst>
+              <a:ext uri="{28A0092B-C50C-407E-A947-70E740481C1C}">
+                <a14:useLocalDpi xmlns:a14="http://schemas.microsoft.com/office/drawing/2010/main" val="0"/>
+              </a:ext>
+            </a:extLst>
+          </a:blip>
+          <a:stretch>
+            <a:fillRect/>
+          </a:stretch>
+        </p:blipFill>
+        <p:spPr>
+          <a:xfrm>
+            <a:off x="114841" y="939330"/>
+            <a:ext cx="5852442" cy="4389331"/>
+          </a:xfrm>
+          <a:prstGeom prst="rect">
+            <a:avLst/>
+          </a:prstGeom>
+        </p:spPr>
+      </p:pic>
+      <p:pic>
+        <p:nvPicPr>
+          <p:cNvPr id="3" name="Picture 2"/>
+          <p:cNvPicPr>
+            <a:picLocks noChangeAspect="1"/>
+          </p:cNvPicPr>
+          <p:nvPr/>
+        </p:nvPicPr>
+        <p:blipFill>
+          <a:blip r:embed="rId3" cstate="print">
+            <a:extLst>
+              <a:ext uri="{28A0092B-C50C-407E-A947-70E740481C1C}">
+                <a14:useLocalDpi xmlns:a14="http://schemas.microsoft.com/office/drawing/2010/main" val="0"/>
+              </a:ext>
+            </a:extLst>
+          </a:blip>
+          <a:stretch>
+            <a:fillRect/>
+          </a:stretch>
+        </p:blipFill>
+        <p:spPr>
+          <a:xfrm>
+            <a:off x="5967283" y="908849"/>
+            <a:ext cx="5852442" cy="4389331"/>
+          </a:xfrm>
+          <a:prstGeom prst="rect">
+            <a:avLst/>
+          </a:prstGeom>
+        </p:spPr>
+      </p:pic>
+      <p:sp>
+        <p:nvSpPr>
+          <p:cNvPr id="4" name="TextBox 3"/>
+          <p:cNvSpPr txBox="1"/>
+          <p:nvPr/>
+        </p:nvSpPr>
+        <p:spPr>
+          <a:xfrm>
+            <a:off x="10668000" y="4612640"/>
+            <a:ext cx="692882" cy="369332"/>
+          </a:xfrm>
+          <a:prstGeom prst="rect">
+            <a:avLst/>
+          </a:prstGeom>
+          <a:noFill/>
+        </p:spPr>
+        <p:txBody>
+          <a:bodyPr wrap="none" rtlCol="0">
+            <a:spAutoFit/>
+          </a:bodyPr>
+          <a:lstStyle/>
+          <a:p>
+            <a:r>
+              <a:rPr lang="en-GB" dirty="0" smtClean="0"/>
+              <a:t>Brazil</a:t>
+            </a:r>
+            <a:endParaRPr lang="en-GB" dirty="0"/>
+          </a:p>
+        </p:txBody>
+      </p:sp>
+      <p:sp>
+        <p:nvSpPr>
+          <p:cNvPr id="5" name="TextBox 4"/>
+          <p:cNvSpPr txBox="1"/>
+          <p:nvPr/>
+        </p:nvSpPr>
+        <p:spPr>
+          <a:xfrm>
+            <a:off x="4836879" y="4561840"/>
+            <a:ext cx="854208" cy="369332"/>
+          </a:xfrm>
+          <a:prstGeom prst="rect">
+            <a:avLst/>
+          </a:prstGeom>
+          <a:noFill/>
+        </p:spPr>
+        <p:txBody>
+          <a:bodyPr wrap="none" rtlCol="0">
+            <a:spAutoFit/>
+          </a:bodyPr>
+          <a:lstStyle/>
+          <a:p>
+            <a:r>
+              <a:rPr lang="en-GB" dirty="0" smtClean="0"/>
+              <a:t>Europe</a:t>
+            </a:r>
+            <a:endParaRPr lang="en-GB" dirty="0"/>
+          </a:p>
+        </p:txBody>
+      </p:sp>
+    </p:spTree>
+    <p:extLst>
+      <p:ext uri="{BB962C8B-B14F-4D97-AF65-F5344CB8AC3E}">
+        <p14:creationId xmlns:p14="http://schemas.microsoft.com/office/powerpoint/2010/main" val="2637143736"/>
+      </p:ext>
+    </p:extLst>
+  </p:cSld>
+  <p:clrMapOvr>
+    <a:masterClrMapping/>
+  </p:clrMapOvr>
+</p:sld>
+</file>
+
 <file path=ppt/theme/theme1.xml><?xml version="1.0" encoding="utf-8"?>
 <a:theme xmlns:a="http://schemas.openxmlformats.org/drawingml/2006/main" name="Office Theme">
   <a:themeElements>

--- a/figures/figures-self-drawn.pptx
+++ b/figures/figures-self-drawn.pptx
@@ -8,8 +8,9 @@
     <p:sldId id="257" r:id="rId2"/>
     <p:sldId id="256" r:id="rId3"/>
     <p:sldId id="258" r:id="rId4"/>
-    <p:sldId id="259" r:id="rId5"/>
-    <p:sldId id="260" r:id="rId6"/>
+    <p:sldId id="261" r:id="rId5"/>
+    <p:sldId id="259" r:id="rId6"/>
+    <p:sldId id="260" r:id="rId7"/>
   </p:sldIdLst>
   <p:sldSz cx="12192000" cy="6858000"/>
   <p:notesSz cx="6858000" cy="9144000"/>
@@ -8377,6 +8378,192 @@
       </p:grpSpPr>
       <p:pic>
         <p:nvPicPr>
+          <p:cNvPr id="2" name="Picture"/>
+          <p:cNvPicPr>
+            <a:picLocks noChangeAspect="1"/>
+          </p:cNvPicPr>
+          <p:nvPr/>
+        </p:nvPicPr>
+        <p:blipFill rotWithShape="1">
+          <a:blip r:embed="rId2"/>
+          <a:srcRect l="3748" r="25407" b="7605"/>
+          <a:stretch/>
+        </p:blipFill>
+        <p:spPr bwMode="auto">
+          <a:xfrm>
+            <a:off x="2235201" y="141813"/>
+            <a:ext cx="7896618" cy="6361563"/>
+          </a:xfrm>
+          <a:prstGeom prst="rect">
+            <a:avLst/>
+          </a:prstGeom>
+          <a:noFill/>
+          <a:ln>
+            <a:noFill/>
+          </a:ln>
+          <a:extLst>
+            <a:ext uri="{53640926-AAD7-44D8-BBD7-CCE9431645EC}">
+              <a14:shadowObscured xmlns:a14="http://schemas.microsoft.com/office/drawing/2010/main"/>
+            </a:ext>
+          </a:extLst>
+        </p:spPr>
+      </p:pic>
+      <p:sp>
+        <p:nvSpPr>
+          <p:cNvPr id="3" name="Rectangle 2"/>
+          <p:cNvSpPr/>
+          <p:nvPr/>
+        </p:nvSpPr>
+        <p:spPr>
+          <a:xfrm>
+            <a:off x="3373120" y="5659120"/>
+            <a:ext cx="6553200" cy="650240"/>
+          </a:xfrm>
+          <a:prstGeom prst="rect">
+            <a:avLst/>
+          </a:prstGeom>
+          <a:solidFill>
+            <a:schemeClr val="bg1"/>
+          </a:solidFill>
+          <a:ln>
+            <a:solidFill>
+              <a:schemeClr val="bg1"/>
+            </a:solidFill>
+          </a:ln>
+        </p:spPr>
+        <p:style>
+          <a:lnRef idx="2">
+            <a:schemeClr val="accent1">
+              <a:shade val="50000"/>
+            </a:schemeClr>
+          </a:lnRef>
+          <a:fillRef idx="1">
+            <a:schemeClr val="accent1"/>
+          </a:fillRef>
+          <a:effectRef idx="0">
+            <a:schemeClr val="accent1"/>
+          </a:effectRef>
+          <a:fontRef idx="minor">
+            <a:schemeClr val="lt1"/>
+          </a:fontRef>
+        </p:style>
+        <p:txBody>
+          <a:bodyPr rtlCol="0" anchor="ctr"/>
+          <a:lstStyle/>
+          <a:p>
+            <a:pPr algn="ctr"/>
+            <a:endParaRPr lang="en-GB"/>
+          </a:p>
+        </p:txBody>
+      </p:sp>
+      <p:sp>
+        <p:nvSpPr>
+          <p:cNvPr id="4" name="TextBox 3"/>
+          <p:cNvSpPr txBox="1"/>
+          <p:nvPr/>
+        </p:nvSpPr>
+        <p:spPr>
+          <a:xfrm>
+            <a:off x="4175760" y="4714240"/>
+            <a:ext cx="1290320" cy="646331"/>
+          </a:xfrm>
+          <a:prstGeom prst="rect">
+            <a:avLst/>
+          </a:prstGeom>
+          <a:noFill/>
+        </p:spPr>
+        <p:txBody>
+          <a:bodyPr wrap="square" rtlCol="0">
+            <a:spAutoFit/>
+          </a:bodyPr>
+          <a:lstStyle/>
+          <a:p>
+            <a:r>
+              <a:rPr lang="en-GB" dirty="0"/>
+              <a:t>d</a:t>
+            </a:r>
+            <a:r>
+              <a:rPr lang="en-GB" dirty="0" smtClean="0"/>
+              <a:t>isruptive</a:t>
+            </a:r>
+          </a:p>
+          <a:p>
+            <a:r>
+              <a:rPr lang="en-GB" dirty="0" smtClean="0"/>
+              <a:t>episode</a:t>
+            </a:r>
+            <a:endParaRPr lang="en-GB" dirty="0"/>
+          </a:p>
+        </p:txBody>
+      </p:sp>
+      <p:sp>
+        <p:nvSpPr>
+          <p:cNvPr id="5" name="TextBox 4"/>
+          <p:cNvSpPr txBox="1"/>
+          <p:nvPr/>
+        </p:nvSpPr>
+        <p:spPr>
+          <a:xfrm>
+            <a:off x="6183510" y="741680"/>
+            <a:ext cx="1290320" cy="646331"/>
+          </a:xfrm>
+          <a:prstGeom prst="rect">
+            <a:avLst/>
+          </a:prstGeom>
+          <a:noFill/>
+        </p:spPr>
+        <p:txBody>
+          <a:bodyPr wrap="square" rtlCol="0">
+            <a:spAutoFit/>
+          </a:bodyPr>
+          <a:lstStyle/>
+          <a:p>
+            <a:r>
+              <a:rPr lang="en-GB" dirty="0" smtClean="0"/>
+              <a:t>recovery</a:t>
+            </a:r>
+          </a:p>
+          <a:p>
+            <a:r>
+              <a:rPr lang="en-GB" dirty="0" smtClean="0"/>
+              <a:t>episode</a:t>
+            </a:r>
+            <a:endParaRPr lang="en-GB" dirty="0"/>
+          </a:p>
+        </p:txBody>
+      </p:sp>
+    </p:spTree>
+    <p:extLst>
+      <p:ext uri="{BB962C8B-B14F-4D97-AF65-F5344CB8AC3E}">
+        <p14:creationId xmlns:p14="http://schemas.microsoft.com/office/powerpoint/2010/main" val="1842684344"/>
+      </p:ext>
+    </p:extLst>
+  </p:cSld>
+  <p:clrMapOvr>
+    <a:masterClrMapping/>
+  </p:clrMapOvr>
+</p:sld>
+</file>
+
+<file path=ppt/slides/slide5.xml><?xml version="1.0" encoding="utf-8"?>
+<p:sld xmlns:a="http://schemas.openxmlformats.org/drawingml/2006/main" xmlns:r="http://schemas.openxmlformats.org/officeDocument/2006/relationships" xmlns:p="http://schemas.openxmlformats.org/presentationml/2006/main">
+  <p:cSld>
+    <p:spTree>
+      <p:nvGrpSpPr>
+        <p:cNvPr id="1" name=""/>
+        <p:cNvGrpSpPr/>
+        <p:nvPr/>
+      </p:nvGrpSpPr>
+      <p:grpSpPr>
+        <a:xfrm>
+          <a:off x="0" y="0"/>
+          <a:ext cx="0" cy="0"/>
+          <a:chOff x="0" y="0"/>
+          <a:chExt cx="0" cy="0"/>
+        </a:xfrm>
+      </p:grpSpPr>
+      <p:pic>
+        <p:nvPicPr>
           <p:cNvPr id="2" name="Picture" descr="Figure 4.1: Timeline for United States, Europe, and Brazil"/>
           <p:cNvPicPr/>
           <p:nvPr/>
@@ -8416,7 +8603,7 @@
 </p:sld>
 </file>
 
-<file path=ppt/slides/slide5.xml><?xml version="1.0" encoding="utf-8"?>
+<file path=ppt/slides/slide6.xml><?xml version="1.0" encoding="utf-8"?>
 <p:sld xmlns:a="http://schemas.openxmlformats.org/drawingml/2006/main" xmlns:r="http://schemas.openxmlformats.org/officeDocument/2006/relationships" xmlns:p="http://schemas.openxmlformats.org/presentationml/2006/main">
   <p:cSld>
     <p:spTree>
